--- a/DATOS COVID Chile 2021 10 02.pptx
+++ b/DATOS COVID Chile 2021 10 02.pptx
@@ -6303,10 +6303,10 @@
       </p:sp>
       <p:pic>
         <p:nvPicPr>
-          <p:cNvPr id="3" name="Picture 2" descr="Chart&#10;&#10;Description automatically generated with medium confidence">
-            <a:extLst>
-              <a:ext uri="{FF2B5EF4-FFF2-40B4-BE49-F238E27FC236}">
-                <a16:creationId xmlns:a16="http://schemas.microsoft.com/office/drawing/2014/main" id="{CFAF6033-CC95-724E-8353-A46EE6AD1A29}"/>
+          <p:cNvPr id="7" name="Picture 6" descr="Chart&#10;&#10;Description automatically generated">
+            <a:extLst>
+              <a:ext uri="{FF2B5EF4-FFF2-40B4-BE49-F238E27FC236}">
+                <a16:creationId xmlns:a16="http://schemas.microsoft.com/office/drawing/2014/main" id="{DBCE6E47-3455-AB48-ACCD-C4A6D9525B81}"/>
               </a:ext>
             </a:extLst>
           </p:cNvPr>
@@ -6323,8 +6323,8 @@
         </p:blipFill>
         <p:spPr>
           <a:xfrm>
-            <a:off x="506186" y="1084040"/>
-            <a:ext cx="11571514" cy="5093680"/>
+            <a:off x="593272" y="987403"/>
+            <a:ext cx="11005456" cy="5273291"/>
           </a:xfrm>
           <a:prstGeom prst="rect">
             <a:avLst/>
